--- a/Slide Decks/MCRD_Session2_2025.pptx
+++ b/Slide Decks/MCRD_Session2_2025.pptx
@@ -201,7 +201,7 @@
           <a:p>
             <a:fld id="{FD5993CB-4EAC-0246-A3DA-73F132A5DF57}" type="datetimeFigureOut">
               <a:rPr lang="en-US" smtClean="0"/>
-              <a:t>2/15/24</a:t>
+              <a:t>2/27/25</a:t>
             </a:fld>
             <a:endParaRPr lang="en-US"/>
           </a:p>
@@ -702,7 +702,7 @@
           <a:p>
             <a:fld id="{21659C4D-47A6-F444-BFD1-F27D9FE3F313}" type="datetimeFigureOut">
               <a:rPr lang="en-US" smtClean="0"/>
-              <a:t>2/15/24</a:t>
+              <a:t>2/27/25</a:t>
             </a:fld>
             <a:endParaRPr lang="en-US"/>
           </a:p>
@@ -902,7 +902,7 @@
           <a:p>
             <a:fld id="{21659C4D-47A6-F444-BFD1-F27D9FE3F313}" type="datetimeFigureOut">
               <a:rPr lang="en-US" smtClean="0"/>
-              <a:t>2/15/24</a:t>
+              <a:t>2/27/25</a:t>
             </a:fld>
             <a:endParaRPr lang="en-US"/>
           </a:p>
@@ -1112,7 +1112,7 @@
           <a:p>
             <a:fld id="{21659C4D-47A6-F444-BFD1-F27D9FE3F313}" type="datetimeFigureOut">
               <a:rPr lang="en-US" smtClean="0"/>
-              <a:t>2/15/24</a:t>
+              <a:t>2/27/25</a:t>
             </a:fld>
             <a:endParaRPr lang="en-US"/>
           </a:p>
@@ -1637,7 +1637,7 @@
           <a:p>
             <a:fld id="{7AB3EE13-5FCB-9C42-A93B-39A2047ADC20}" type="datetime1">
               <a:rPr lang="en-GB" smtClean="0"/>
-              <a:t>15/02/2024</a:t>
+              <a:t>27/02/2025</a:t>
             </a:fld>
             <a:endParaRPr lang="en-US" dirty="0"/>
           </a:p>
@@ -2012,7 +2012,7 @@
           <a:p>
             <a:fld id="{45591B23-550B-D34F-BD1A-05839C075451}" type="datetime1">
               <a:rPr lang="en-GB" smtClean="0"/>
-              <a:t>15/02/2024</a:t>
+              <a:t>27/02/2025</a:t>
             </a:fld>
             <a:endParaRPr lang="en-US"/>
           </a:p>
@@ -2353,7 +2353,7 @@
           <a:p>
             <a:fld id="{B215A42F-436F-F945-AF86-C545F1275288}" type="datetime1">
               <a:rPr lang="en-GB" smtClean="0"/>
-              <a:t>15/02/2024</a:t>
+              <a:t>27/02/2025</a:t>
             </a:fld>
             <a:endParaRPr lang="en-US" dirty="0"/>
           </a:p>
@@ -2569,7 +2569,7 @@
           <a:p>
             <a:fld id="{21659C4D-47A6-F444-BFD1-F27D9FE3F313}" type="datetimeFigureOut">
               <a:rPr lang="en-US" smtClean="0"/>
-              <a:t>2/15/24</a:t>
+              <a:t>2/27/25</a:t>
             </a:fld>
             <a:endParaRPr lang="en-US"/>
           </a:p>
@@ -2845,7 +2845,7 @@
           <a:p>
             <a:fld id="{21659C4D-47A6-F444-BFD1-F27D9FE3F313}" type="datetimeFigureOut">
               <a:rPr lang="en-US" smtClean="0"/>
-              <a:t>2/15/24</a:t>
+              <a:t>2/27/25</a:t>
             </a:fld>
             <a:endParaRPr lang="en-US"/>
           </a:p>
@@ -3113,7 +3113,7 @@
           <a:p>
             <a:fld id="{21659C4D-47A6-F444-BFD1-F27D9FE3F313}" type="datetimeFigureOut">
               <a:rPr lang="en-US" smtClean="0"/>
-              <a:t>2/15/24</a:t>
+              <a:t>2/27/25</a:t>
             </a:fld>
             <a:endParaRPr lang="en-US"/>
           </a:p>
@@ -3528,7 +3528,7 @@
           <a:p>
             <a:fld id="{21659C4D-47A6-F444-BFD1-F27D9FE3F313}" type="datetimeFigureOut">
               <a:rPr lang="en-US" smtClean="0"/>
-              <a:t>2/15/24</a:t>
+              <a:t>2/27/25</a:t>
             </a:fld>
             <a:endParaRPr lang="en-US"/>
           </a:p>
@@ -3670,7 +3670,7 @@
           <a:p>
             <a:fld id="{21659C4D-47A6-F444-BFD1-F27D9FE3F313}" type="datetimeFigureOut">
               <a:rPr lang="en-US" smtClean="0"/>
-              <a:t>2/15/24</a:t>
+              <a:t>2/27/25</a:t>
             </a:fld>
             <a:endParaRPr lang="en-US"/>
           </a:p>
@@ -3783,7 +3783,7 @@
           <a:p>
             <a:fld id="{21659C4D-47A6-F444-BFD1-F27D9FE3F313}" type="datetimeFigureOut">
               <a:rPr lang="en-US" smtClean="0"/>
-              <a:t>2/15/24</a:t>
+              <a:t>2/27/25</a:t>
             </a:fld>
             <a:endParaRPr lang="en-US"/>
           </a:p>
@@ -4096,7 +4096,7 @@
           <a:p>
             <a:fld id="{21659C4D-47A6-F444-BFD1-F27D9FE3F313}" type="datetimeFigureOut">
               <a:rPr lang="en-US" smtClean="0"/>
-              <a:t>2/15/24</a:t>
+              <a:t>2/27/25</a:t>
             </a:fld>
             <a:endParaRPr lang="en-US"/>
           </a:p>
@@ -4385,7 +4385,7 @@
           <a:p>
             <a:fld id="{21659C4D-47A6-F444-BFD1-F27D9FE3F313}" type="datetimeFigureOut">
               <a:rPr lang="en-US" smtClean="0"/>
-              <a:t>2/15/24</a:t>
+              <a:t>2/27/25</a:t>
             </a:fld>
             <a:endParaRPr lang="en-US"/>
           </a:p>
@@ -4628,7 +4628,7 @@
           <a:p>
             <a:fld id="{21659C4D-47A6-F444-BFD1-F27D9FE3F313}" type="datetimeFigureOut">
               <a:rPr lang="en-US" smtClean="0"/>
-              <a:t>2/15/24</a:t>
+              <a:t>2/27/25</a:t>
             </a:fld>
             <a:endParaRPr lang="en-US"/>
           </a:p>
@@ -5113,7 +5113,7 @@
                 <a:latin typeface="Arial" panose="020B0604020202020204" pitchFamily="34" charset="0"/>
                 <a:cs typeface="Arial" panose="020B0604020202020204" pitchFamily="34" charset="0"/>
               </a:rPr>
-              <a:t>(16/02/2024) </a:t>
+              <a:t>(18/03/2025) </a:t>
             </a:r>
             <a:endParaRPr lang="en-US" dirty="0">
               <a:solidFill>
@@ -5240,7 +5240,7 @@
                 <a:latin typeface="Arial" panose="020B0604020202020204" pitchFamily="34" charset="0"/>
                 <a:cs typeface="Arial" panose="020B0604020202020204" pitchFamily="34" charset="0"/>
               </a:rPr>
-              <a:t>Copyright © 2024 University of Manchester, Cathie Marsh Institute, UK Data Service. </a:t>
+              <a:t>Copyright © 2025 University of Manchester, Cathie Marsh Institute, UK Data Service. </a:t>
             </a:r>
             <a:endParaRPr lang="en-GB" sz="1000" dirty="0"/>
           </a:p>
